--- a/csit/logo.pptx
+++ b/csit/logo.pptx
@@ -104,6 +104,11 @@
       </a:defRPr>
     </a:lvl9pPr>
   </p:defaultTextStyle>
+  <p:extLst>
+    <p:ext uri="{EFAFB233-063F-42B5-8137-9DF3F51BA10A}">
+      <p15:sldGuideLst xmlns:p15="http://schemas.microsoft.com/office/powerpoint/2012/main"/>
+    </p:ext>
+  </p:extLst>
 </p:presentation>
 </file>
 
@@ -3001,7 +3006,7 @@
         </p:blipFill>
         <p:spPr bwMode="auto">
           <a:xfrm>
-            <a:off x="1200150" y="-806768"/>
+            <a:off x="1200150" y="-372058"/>
             <a:ext cx="8572500" cy="7620000"/>
           </a:xfrm>
           <a:prstGeom prst="rect">
@@ -3050,7 +3055,7 @@
         </p:blipFill>
         <p:spPr>
           <a:xfrm>
-            <a:off x="3502818" y="1200150"/>
+            <a:off x="3502818" y="1634860"/>
             <a:ext cx="3906202" cy="3906202"/>
           </a:xfrm>
           <a:prstGeom prst="rect">
@@ -3066,7 +3071,7 @@
         </p:nvSpPr>
         <p:spPr>
           <a:xfrm>
-            <a:off x="744557" y="6355081"/>
+            <a:off x="744557" y="5845418"/>
             <a:ext cx="9483685" cy="2308324"/>
           </a:xfrm>
           <a:prstGeom prst="rect">
